--- a/FinalReport/FinalPresentation-Working.pptx
+++ b/FinalReport/FinalPresentation-Working.pptx
@@ -7,6 +7,10 @@
   <p:sldIdLst>
     <p:sldId id="256" r:id="rId2"/>
     <p:sldId id="257" r:id="rId3"/>
+    <p:sldId id="258" r:id="rId4"/>
+    <p:sldId id="259" r:id="rId5"/>
+    <p:sldId id="260" r:id="rId6"/>
+    <p:sldId id="261" r:id="rId7"/>
   </p:sldIdLst>
   <p:sldSz cx="12192000" cy="6858000"/>
   <p:notesSz cx="6858000" cy="9144000"/>
@@ -105,6 +109,11 @@
       </a:defRPr>
     </a:lvl9pPr>
   </p:defaultTextStyle>
+  <p:extLst>
+    <p:ext uri="{EFAFB233-063F-42B5-8137-9DF3F51BA10A}">
+      <p15:sldGuideLst xmlns:p15="http://schemas.microsoft.com/office/powerpoint/2012/main"/>
+    </p:ext>
+  </p:extLst>
 </p:presentation>
 </file>
 
@@ -296,7 +305,7 @@
           <a:p>
             <a:fld id="{9EB6C23E-35DC-4F88-80DE-F7883682C2E1}" type="datetimeFigureOut">
               <a:rPr lang="en-US" smtClean="0"/>
-              <a:t>2/19/2017</a:t>
+              <a:t>2/22/2017</a:t>
             </a:fld>
             <a:endParaRPr lang="en-US"/>
           </a:p>
@@ -634,7 +643,7 @@
           <a:p>
             <a:fld id="{9EB6C23E-35DC-4F88-80DE-F7883682C2E1}" type="datetimeFigureOut">
               <a:rPr lang="en-US" smtClean="0"/>
-              <a:t>2/19/2017</a:t>
+              <a:t>2/22/2017</a:t>
             </a:fld>
             <a:endParaRPr lang="en-US"/>
           </a:p>
@@ -1035,7 +1044,7 @@
           <a:p>
             <a:fld id="{9EB6C23E-35DC-4F88-80DE-F7883682C2E1}" type="datetimeFigureOut">
               <a:rPr lang="en-US" smtClean="0"/>
-              <a:t>2/19/2017</a:t>
+              <a:t>2/22/2017</a:t>
             </a:fld>
             <a:endParaRPr lang="en-US"/>
           </a:p>
@@ -1371,7 +1380,7 @@
           <a:p>
             <a:fld id="{9EB6C23E-35DC-4F88-80DE-F7883682C2E1}" type="datetimeFigureOut">
               <a:rPr lang="en-US" smtClean="0"/>
-              <a:t>2/19/2017</a:t>
+              <a:t>2/22/2017</a:t>
             </a:fld>
             <a:endParaRPr lang="en-US"/>
           </a:p>
@@ -1691,7 +1700,7 @@
           <a:p>
             <a:fld id="{9EB6C23E-35DC-4F88-80DE-F7883682C2E1}" type="datetimeFigureOut">
               <a:rPr lang="en-US" smtClean="0"/>
-              <a:t>2/19/2017</a:t>
+              <a:t>2/22/2017</a:t>
             </a:fld>
             <a:endParaRPr lang="en-US"/>
           </a:p>
@@ -2087,7 +2096,7 @@
           <a:p>
             <a:fld id="{9EB6C23E-35DC-4F88-80DE-F7883682C2E1}" type="datetimeFigureOut">
               <a:rPr lang="en-US" smtClean="0"/>
-              <a:t>2/19/2017</a:t>
+              <a:t>2/22/2017</a:t>
             </a:fld>
             <a:endParaRPr lang="en-US"/>
           </a:p>
@@ -2344,7 +2353,7 @@
           <a:p>
             <a:fld id="{9EB6C23E-35DC-4F88-80DE-F7883682C2E1}" type="datetimeFigureOut">
               <a:rPr lang="en-US" smtClean="0"/>
-              <a:t>2/19/2017</a:t>
+              <a:t>2/22/2017</a:t>
             </a:fld>
             <a:endParaRPr lang="en-US"/>
           </a:p>
@@ -2606,7 +2615,7 @@
           <a:p>
             <a:fld id="{9EB6C23E-35DC-4F88-80DE-F7883682C2E1}" type="datetimeFigureOut">
               <a:rPr lang="en-US" smtClean="0"/>
-              <a:t>2/19/2017</a:t>
+              <a:t>2/22/2017</a:t>
             </a:fld>
             <a:endParaRPr lang="en-US"/>
           </a:p>
@@ -2868,7 +2877,7 @@
           <a:p>
             <a:fld id="{9EB6C23E-35DC-4F88-80DE-F7883682C2E1}" type="datetimeFigureOut">
               <a:rPr lang="en-US" smtClean="0"/>
-              <a:t>2/19/2017</a:t>
+              <a:t>2/22/2017</a:t>
             </a:fld>
             <a:endParaRPr lang="en-US"/>
           </a:p>
@@ -3197,7 +3206,7 @@
           <a:p>
             <a:fld id="{9EB6C23E-35DC-4F88-80DE-F7883682C2E1}" type="datetimeFigureOut">
               <a:rPr lang="en-US" smtClean="0"/>
-              <a:t>2/19/2017</a:t>
+              <a:t>2/22/2017</a:t>
             </a:fld>
             <a:endParaRPr lang="en-US"/>
           </a:p>
@@ -3520,7 +3529,7 @@
           <a:p>
             <a:fld id="{9EB6C23E-35DC-4F88-80DE-F7883682C2E1}" type="datetimeFigureOut">
               <a:rPr lang="en-US" smtClean="0"/>
-              <a:t>2/19/2017</a:t>
+              <a:t>2/22/2017</a:t>
             </a:fld>
             <a:endParaRPr lang="en-US"/>
           </a:p>
@@ -3977,7 +3986,7 @@
           <a:p>
             <a:fld id="{9EB6C23E-35DC-4F88-80DE-F7883682C2E1}" type="datetimeFigureOut">
               <a:rPr lang="en-US" smtClean="0"/>
-              <a:t>2/19/2017</a:t>
+              <a:t>2/22/2017</a:t>
             </a:fld>
             <a:endParaRPr lang="en-US"/>
           </a:p>
@@ -4182,7 +4191,7 @@
           <a:p>
             <a:fld id="{9EB6C23E-35DC-4F88-80DE-F7883682C2E1}" type="datetimeFigureOut">
               <a:rPr lang="en-US" smtClean="0"/>
-              <a:t>2/19/2017</a:t>
+              <a:t>2/22/2017</a:t>
             </a:fld>
             <a:endParaRPr lang="en-US"/>
           </a:p>
@@ -4359,7 +4368,7 @@
           <a:p>
             <a:fld id="{9EB6C23E-35DC-4F88-80DE-F7883682C2E1}" type="datetimeFigureOut">
               <a:rPr lang="en-US" smtClean="0"/>
-              <a:t>2/19/2017</a:t>
+              <a:t>2/22/2017</a:t>
             </a:fld>
             <a:endParaRPr lang="en-US"/>
           </a:p>
@@ -4692,7 +4701,7 @@
           <a:p>
             <a:fld id="{9EB6C23E-35DC-4F88-80DE-F7883682C2E1}" type="datetimeFigureOut">
               <a:rPr lang="en-US" smtClean="0"/>
-              <a:t>2/19/2017</a:t>
+              <a:t>2/22/2017</a:t>
             </a:fld>
             <a:endParaRPr lang="en-US"/>
           </a:p>
@@ -5037,7 +5046,7 @@
           <a:p>
             <a:fld id="{9EB6C23E-35DC-4F88-80DE-F7883682C2E1}" type="datetimeFigureOut">
               <a:rPr lang="en-US" smtClean="0"/>
-              <a:t>2/19/2017</a:t>
+              <a:t>2/22/2017</a:t>
             </a:fld>
             <a:endParaRPr lang="en-US"/>
           </a:p>
@@ -7154,7 +7163,7 @@
           <a:p>
             <a:fld id="{9EB6C23E-35DC-4F88-80DE-F7883682C2E1}" type="datetimeFigureOut">
               <a:rPr lang="en-US" smtClean="0"/>
-              <a:t>2/19/2017</a:t>
+              <a:t>2/22/2017</a:t>
             </a:fld>
             <a:endParaRPr lang="en-US"/>
           </a:p>
@@ -7834,6 +7843,17 @@
             </a:r>
           </a:p>
           <a:p>
+            <a:r>
+              <a:rPr lang="en-US" dirty="0" smtClean="0"/>
+              <a:t>Unique Features</a:t>
+            </a:r>
+          </a:p>
+          <a:p>
+            <a:pPr lvl="1"/>
+            <a:r>
+              <a:rPr lang="en-US" dirty="0" smtClean="0"/>
+              <a:t>Computation Register</a:t>
+            </a:r>
             <a:endParaRPr lang="en-US" dirty="0" smtClean="0"/>
           </a:p>
         </p:txBody>
@@ -7842,6 +7862,424 @@
     <p:extLst>
       <p:ext uri="{BB962C8B-B14F-4D97-AF65-F5344CB8AC3E}">
         <p14:creationId xmlns:p14="http://schemas.microsoft.com/office/powerpoint/2010/main" val="2611776985"/>
+      </p:ext>
+    </p:extLst>
+  </p:cSld>
+  <p:clrMapOvr>
+    <a:masterClrMapping/>
+  </p:clrMapOvr>
+</p:sld>
+</file>
+
+<file path=ppt/slides/slide3.xml><?xml version="1.0" encoding="utf-8"?>
+<p:sld xmlns:a="http://schemas.openxmlformats.org/drawingml/2006/main" xmlns:r="http://schemas.openxmlformats.org/officeDocument/2006/relationships" xmlns:p="http://schemas.openxmlformats.org/presentationml/2006/main">
+  <p:cSld>
+    <p:spTree>
+      <p:nvGrpSpPr>
+        <p:cNvPr id="1" name=""/>
+        <p:cNvGrpSpPr/>
+        <p:nvPr/>
+      </p:nvGrpSpPr>
+      <p:grpSpPr>
+        <a:xfrm>
+          <a:off x="0" y="0"/>
+          <a:ext cx="0" cy="0"/>
+          <a:chOff x="0" y="0"/>
+          <a:chExt cx="0" cy="0"/>
+        </a:xfrm>
+      </p:grpSpPr>
+      <p:sp>
+        <p:nvSpPr>
+          <p:cNvPr id="2" name="Title 1"/>
+          <p:cNvSpPr>
+            <a:spLocks noGrp="1"/>
+          </p:cNvSpPr>
+          <p:nvPr>
+            <p:ph type="title"/>
+          </p:nvPr>
+        </p:nvSpPr>
+        <p:spPr/>
+        <p:txBody>
+          <a:bodyPr/>
+          <a:lstStyle/>
+          <a:p>
+            <a:r>
+              <a:rPr lang="en-US" dirty="0" smtClean="0"/>
+              <a:t>C-type Instructions</a:t>
+            </a:r>
+            <a:endParaRPr lang="en-US" dirty="0"/>
+          </a:p>
+        </p:txBody>
+      </p:sp>
+      <p:sp>
+        <p:nvSpPr>
+          <p:cNvPr id="3" name="Content Placeholder 2"/>
+          <p:cNvSpPr>
+            <a:spLocks noGrp="1"/>
+          </p:cNvSpPr>
+          <p:nvPr>
+            <p:ph idx="1"/>
+          </p:nvPr>
+        </p:nvSpPr>
+        <p:spPr/>
+        <p:txBody>
+          <a:bodyPr/>
+          <a:lstStyle/>
+          <a:p>
+            <a:r>
+              <a:rPr lang="en-US" dirty="0" smtClean="0"/>
+              <a:t>4-bit opcode</a:t>
+            </a:r>
+          </a:p>
+          <a:p>
+            <a:r>
+              <a:rPr lang="en-US" dirty="0" smtClean="0"/>
+              <a:t>2 4-bit registers</a:t>
+            </a:r>
+          </a:p>
+          <a:p>
+            <a:r>
+              <a:rPr lang="en-US" dirty="0" smtClean="0"/>
+              <a:t>4-bit function code</a:t>
+            </a:r>
+            <a:endParaRPr lang="en-US" dirty="0"/>
+          </a:p>
+        </p:txBody>
+      </p:sp>
+      <p:pic>
+        <p:nvPicPr>
+          <p:cNvPr id="5" name="Picture 4"/>
+          <p:cNvPicPr>
+            <a:picLocks noChangeAspect="1"/>
+          </p:cNvPicPr>
+          <p:nvPr/>
+        </p:nvPicPr>
+        <p:blipFill>
+          <a:blip r:embed="rId2"/>
+          <a:stretch>
+            <a:fillRect/>
+          </a:stretch>
+        </p:blipFill>
+        <p:spPr>
+          <a:xfrm>
+            <a:off x="4841106" y="4454152"/>
+            <a:ext cx="6663506" cy="1457070"/>
+          </a:xfrm>
+          <a:prstGeom prst="rect">
+            <a:avLst/>
+          </a:prstGeom>
+        </p:spPr>
+      </p:pic>
+    </p:spTree>
+    <p:extLst>
+      <p:ext uri="{BB962C8B-B14F-4D97-AF65-F5344CB8AC3E}">
+        <p14:creationId xmlns:p14="http://schemas.microsoft.com/office/powerpoint/2010/main" val="1030774827"/>
+      </p:ext>
+    </p:extLst>
+  </p:cSld>
+  <p:clrMapOvr>
+    <a:masterClrMapping/>
+  </p:clrMapOvr>
+</p:sld>
+</file>
+
+<file path=ppt/slides/slide4.xml><?xml version="1.0" encoding="utf-8"?>
+<p:sld xmlns:a="http://schemas.openxmlformats.org/drawingml/2006/main" xmlns:r="http://schemas.openxmlformats.org/officeDocument/2006/relationships" xmlns:p="http://schemas.openxmlformats.org/presentationml/2006/main">
+  <p:cSld>
+    <p:spTree>
+      <p:nvGrpSpPr>
+        <p:cNvPr id="1" name=""/>
+        <p:cNvGrpSpPr/>
+        <p:nvPr/>
+      </p:nvGrpSpPr>
+      <p:grpSpPr>
+        <a:xfrm>
+          <a:off x="0" y="0"/>
+          <a:ext cx="0" cy="0"/>
+          <a:chOff x="0" y="0"/>
+          <a:chExt cx="0" cy="0"/>
+        </a:xfrm>
+      </p:grpSpPr>
+      <p:sp>
+        <p:nvSpPr>
+          <p:cNvPr id="2" name="Title 1"/>
+          <p:cNvSpPr>
+            <a:spLocks noGrp="1"/>
+          </p:cNvSpPr>
+          <p:nvPr>
+            <p:ph type="title"/>
+          </p:nvPr>
+        </p:nvSpPr>
+        <p:spPr/>
+        <p:txBody>
+          <a:bodyPr/>
+          <a:lstStyle/>
+          <a:p>
+            <a:r>
+              <a:rPr lang="en-US" dirty="0" smtClean="0"/>
+              <a:t>I-type Instructions</a:t>
+            </a:r>
+            <a:endParaRPr lang="en-US" dirty="0"/>
+          </a:p>
+        </p:txBody>
+      </p:sp>
+      <p:sp>
+        <p:nvSpPr>
+          <p:cNvPr id="3" name="Content Placeholder 2"/>
+          <p:cNvSpPr>
+            <a:spLocks noGrp="1"/>
+          </p:cNvSpPr>
+          <p:nvPr>
+            <p:ph idx="1"/>
+          </p:nvPr>
+        </p:nvSpPr>
+        <p:spPr/>
+        <p:txBody>
+          <a:bodyPr/>
+          <a:lstStyle/>
+          <a:p>
+            <a:r>
+              <a:rPr lang="en-US" dirty="0" smtClean="0"/>
+              <a:t>4-bit opcode</a:t>
+            </a:r>
+          </a:p>
+          <a:p>
+            <a:r>
+              <a:rPr lang="en-US" dirty="0" smtClean="0"/>
+              <a:t>1 4-bit register</a:t>
+            </a:r>
+          </a:p>
+          <a:p>
+            <a:r>
+              <a:rPr lang="en-US" dirty="0" smtClean="0"/>
+              <a:t>8-bit immediate</a:t>
+            </a:r>
+            <a:endParaRPr lang="en-US" dirty="0"/>
+          </a:p>
+        </p:txBody>
+      </p:sp>
+      <p:pic>
+        <p:nvPicPr>
+          <p:cNvPr id="6" name="Picture 5"/>
+          <p:cNvPicPr>
+            <a:picLocks noChangeAspect="1"/>
+          </p:cNvPicPr>
+          <p:nvPr/>
+        </p:nvPicPr>
+        <p:blipFill>
+          <a:blip r:embed="rId2"/>
+          <a:stretch>
+            <a:fillRect/>
+          </a:stretch>
+        </p:blipFill>
+        <p:spPr>
+          <a:xfrm>
+            <a:off x="4800600" y="4256681"/>
+            <a:ext cx="6704012" cy="1654541"/>
+          </a:xfrm>
+          <a:prstGeom prst="rect">
+            <a:avLst/>
+          </a:prstGeom>
+        </p:spPr>
+      </p:pic>
+    </p:spTree>
+    <p:extLst>
+      <p:ext uri="{BB962C8B-B14F-4D97-AF65-F5344CB8AC3E}">
+        <p14:creationId xmlns:p14="http://schemas.microsoft.com/office/powerpoint/2010/main" val="2201885042"/>
+      </p:ext>
+    </p:extLst>
+  </p:cSld>
+  <p:clrMapOvr>
+    <a:masterClrMapping/>
+  </p:clrMapOvr>
+</p:sld>
+</file>
+
+<file path=ppt/slides/slide5.xml><?xml version="1.0" encoding="utf-8"?>
+<p:sld xmlns:a="http://schemas.openxmlformats.org/drawingml/2006/main" xmlns:r="http://schemas.openxmlformats.org/officeDocument/2006/relationships" xmlns:p="http://schemas.openxmlformats.org/presentationml/2006/main">
+  <p:cSld>
+    <p:spTree>
+      <p:nvGrpSpPr>
+        <p:cNvPr id="1" name=""/>
+        <p:cNvGrpSpPr/>
+        <p:nvPr/>
+      </p:nvGrpSpPr>
+      <p:grpSpPr>
+        <a:xfrm>
+          <a:off x="0" y="0"/>
+          <a:ext cx="0" cy="0"/>
+          <a:chOff x="0" y="0"/>
+          <a:chExt cx="0" cy="0"/>
+        </a:xfrm>
+      </p:grpSpPr>
+      <p:sp>
+        <p:nvSpPr>
+          <p:cNvPr id="2" name="Title 1"/>
+          <p:cNvSpPr>
+            <a:spLocks noGrp="1"/>
+          </p:cNvSpPr>
+          <p:nvPr>
+            <p:ph type="title"/>
+          </p:nvPr>
+        </p:nvSpPr>
+        <p:spPr/>
+        <p:txBody>
+          <a:bodyPr/>
+          <a:lstStyle/>
+          <a:p>
+            <a:r>
+              <a:rPr lang="en-US" dirty="0" smtClean="0"/>
+              <a:t>L-type Instructions</a:t>
+            </a:r>
+            <a:endParaRPr lang="en-US" dirty="0"/>
+          </a:p>
+        </p:txBody>
+      </p:sp>
+      <p:sp>
+        <p:nvSpPr>
+          <p:cNvPr id="3" name="Content Placeholder 2"/>
+          <p:cNvSpPr>
+            <a:spLocks noGrp="1"/>
+          </p:cNvSpPr>
+          <p:nvPr>
+            <p:ph idx="1"/>
+          </p:nvPr>
+        </p:nvSpPr>
+        <p:spPr/>
+        <p:txBody>
+          <a:bodyPr/>
+          <a:lstStyle/>
+          <a:p>
+            <a:r>
+              <a:rPr lang="en-US" dirty="0" smtClean="0"/>
+              <a:t>4-bit opcode</a:t>
+            </a:r>
+          </a:p>
+          <a:p>
+            <a:r>
+              <a:rPr lang="en-US" dirty="0" smtClean="0"/>
+              <a:t>No registers</a:t>
+            </a:r>
+          </a:p>
+          <a:p>
+            <a:r>
+              <a:rPr lang="en-US" dirty="0" smtClean="0"/>
+              <a:t>12-bit immediate</a:t>
+            </a:r>
+            <a:endParaRPr lang="en-US" dirty="0"/>
+          </a:p>
+        </p:txBody>
+      </p:sp>
+      <p:pic>
+        <p:nvPicPr>
+          <p:cNvPr id="4" name="Picture 3"/>
+          <p:cNvPicPr>
+            <a:picLocks noChangeAspect="1"/>
+          </p:cNvPicPr>
+          <p:nvPr/>
+        </p:nvPicPr>
+        <p:blipFill>
+          <a:blip r:embed="rId2"/>
+          <a:stretch>
+            <a:fillRect/>
+          </a:stretch>
+        </p:blipFill>
+        <p:spPr>
+          <a:xfrm>
+            <a:off x="4817595" y="4366840"/>
+            <a:ext cx="6687017" cy="1544382"/>
+          </a:xfrm>
+          <a:prstGeom prst="rect">
+            <a:avLst/>
+          </a:prstGeom>
+        </p:spPr>
+      </p:pic>
+    </p:spTree>
+    <p:extLst>
+      <p:ext uri="{BB962C8B-B14F-4D97-AF65-F5344CB8AC3E}">
+        <p14:creationId xmlns:p14="http://schemas.microsoft.com/office/powerpoint/2010/main" val="3033995475"/>
+      </p:ext>
+    </p:extLst>
+  </p:cSld>
+  <p:clrMapOvr>
+    <a:masterClrMapping/>
+  </p:clrMapOvr>
+</p:sld>
+</file>
+
+<file path=ppt/slides/slide6.xml><?xml version="1.0" encoding="utf-8"?>
+<p:sld xmlns:a="http://schemas.openxmlformats.org/drawingml/2006/main" xmlns:r="http://schemas.openxmlformats.org/officeDocument/2006/relationships" xmlns:p="http://schemas.openxmlformats.org/presentationml/2006/main">
+  <p:cSld>
+    <p:spTree>
+      <p:nvGrpSpPr>
+        <p:cNvPr id="1" name=""/>
+        <p:cNvGrpSpPr/>
+        <p:nvPr/>
+      </p:nvGrpSpPr>
+      <p:grpSpPr>
+        <a:xfrm>
+          <a:off x="0" y="0"/>
+          <a:ext cx="0" cy="0"/>
+          <a:chOff x="0" y="0"/>
+          <a:chExt cx="0" cy="0"/>
+        </a:xfrm>
+      </p:grpSpPr>
+      <p:sp>
+        <p:nvSpPr>
+          <p:cNvPr id="2" name="Title 1"/>
+          <p:cNvSpPr>
+            <a:spLocks noGrp="1"/>
+          </p:cNvSpPr>
+          <p:nvPr>
+            <p:ph type="title"/>
+          </p:nvPr>
+        </p:nvSpPr>
+        <p:spPr/>
+        <p:txBody>
+          <a:bodyPr/>
+          <a:lstStyle/>
+          <a:p>
+            <a:r>
+              <a:rPr lang="en-US" dirty="0" err="1" smtClean="0"/>
+              <a:t>Datapath</a:t>
+            </a:r>
+            <a:endParaRPr lang="en-US" dirty="0"/>
+          </a:p>
+        </p:txBody>
+      </p:sp>
+      <p:pic>
+        <p:nvPicPr>
+          <p:cNvPr id="4" name="Content Placeholder 3"/>
+          <p:cNvPicPr>
+            <a:picLocks noGrp="1" noChangeAspect="1"/>
+          </p:cNvPicPr>
+          <p:nvPr>
+            <p:ph idx="1"/>
+          </p:nvPr>
+        </p:nvPicPr>
+        <p:blipFill>
+          <a:blip r:embed="rId2">
+            <a:extLst>
+              <a:ext uri="{28A0092B-C50C-407E-A947-70E740481C1C}">
+                <a14:useLocalDpi xmlns:a14="http://schemas.microsoft.com/office/drawing/2010/main" val="0"/>
+              </a:ext>
+            </a:extLst>
+          </a:blip>
+          <a:stretch>
+            <a:fillRect/>
+          </a:stretch>
+        </p:blipFill>
+        <p:spPr>
+          <a:xfrm>
+            <a:off x="2592924" y="1172959"/>
+            <a:ext cx="7703220" cy="5406403"/>
+          </a:xfrm>
+        </p:spPr>
+      </p:pic>
+    </p:spTree>
+    <p:extLst>
+      <p:ext uri="{BB962C8B-B14F-4D97-AF65-F5344CB8AC3E}">
+        <p14:creationId xmlns:p14="http://schemas.microsoft.com/office/powerpoint/2010/main" val="781209721"/>
       </p:ext>
     </p:extLst>
   </p:cSld>

--- a/FinalReport/FinalPresentation-Working.pptx
+++ b/FinalReport/FinalPresentation-Working.pptx
@@ -11,6 +11,12 @@
     <p:sldId id="259" r:id="rId5"/>
     <p:sldId id="260" r:id="rId6"/>
     <p:sldId id="261" r:id="rId7"/>
+    <p:sldId id="262" r:id="rId8"/>
+    <p:sldId id="263" r:id="rId9"/>
+    <p:sldId id="264" r:id="rId10"/>
+    <p:sldId id="265" r:id="rId11"/>
+    <p:sldId id="266" r:id="rId12"/>
+    <p:sldId id="267" r:id="rId13"/>
   </p:sldIdLst>
   <p:sldSz cx="12192000" cy="6858000"/>
   <p:notesSz cx="6858000" cy="9144000"/>
@@ -115,6 +121,32 @@
     </p:ext>
   </p:extLst>
 </p:presentation>
+</file>
+
+<file path=ppt/commentAuthors.xml><?xml version="1.0" encoding="utf-8"?>
+<p:cmAuthorLst xmlns:a="http://schemas.openxmlformats.org/drawingml/2006/main" xmlns:r="http://schemas.openxmlformats.org/officeDocument/2006/relationships" xmlns:p="http://schemas.openxmlformats.org/presentationml/2006/main">
+  <p:cmAuthor id="1" name="Logan Bryce Smith" initials="LBS" lastIdx="1" clrIdx="0">
+    <p:extLst>
+      <p:ext uri="{19B8F6BF-5375-455C-9EA6-DF929625EA0E}">
+        <p15:presenceInfo xmlns:p15="http://schemas.microsoft.com/office/powerpoint/2012/main" userId="Logan Bryce Smith" providerId="None"/>
+      </p:ext>
+    </p:extLst>
+  </p:cmAuthor>
+</p:cmAuthorLst>
+</file>
+
+<file path=ppt/comments/comment1.xml><?xml version="1.0" encoding="utf-8"?>
+<p:cmLst xmlns:a="http://schemas.openxmlformats.org/drawingml/2006/main" xmlns:r="http://schemas.openxmlformats.org/officeDocument/2006/relationships" xmlns:p="http://schemas.openxmlformats.org/presentationml/2006/main">
+  <p:cm authorId="1" dt="2017-02-22T21:06:13.940" idx="1">
+    <p:pos x="10" y="10"/>
+    <p:text/>
+    <p:extLst>
+      <p:ext uri="{C676402C-5697-4E1C-873F-D02D1690AC5C}">
+        <p15:threadingInfo xmlns:p15="http://schemas.microsoft.com/office/powerpoint/2012/main" timeZoneBias="300"/>
+      </p:ext>
+    </p:extLst>
+  </p:cm>
+</p:cmLst>
 </file>
 
 <file path=ppt/slideLayouts/slideLayout1.xml><?xml version="1.0" encoding="utf-8"?>
@@ -7752,6 +7784,344 @@
   <p:clrMapOvr>
     <a:masterClrMapping/>
   </p:clrMapOvr>
+  <p:timing>
+    <p:tnLst>
+      <p:par>
+        <p:cTn id="1" dur="indefinite" restart="never" nodeType="tmRoot"/>
+      </p:par>
+    </p:tnLst>
+  </p:timing>
+</p:sld>
+</file>
+
+<file path=ppt/slides/slide10.xml><?xml version="1.0" encoding="utf-8"?>
+<p:sld xmlns:a="http://schemas.openxmlformats.org/drawingml/2006/main" xmlns:r="http://schemas.openxmlformats.org/officeDocument/2006/relationships" xmlns:p="http://schemas.openxmlformats.org/presentationml/2006/main">
+  <p:cSld>
+    <p:spTree>
+      <p:nvGrpSpPr>
+        <p:cNvPr id="1" name=""/>
+        <p:cNvGrpSpPr/>
+        <p:nvPr/>
+      </p:nvGrpSpPr>
+      <p:grpSpPr>
+        <a:xfrm>
+          <a:off x="0" y="0"/>
+          <a:ext cx="0" cy="0"/>
+          <a:chOff x="0" y="0"/>
+          <a:chExt cx="0" cy="0"/>
+        </a:xfrm>
+      </p:grpSpPr>
+      <p:sp>
+        <p:nvSpPr>
+          <p:cNvPr id="2" name="Title 1"/>
+          <p:cNvSpPr>
+            <a:spLocks noGrp="1"/>
+          </p:cNvSpPr>
+          <p:nvPr>
+            <p:ph type="title"/>
+          </p:nvPr>
+        </p:nvSpPr>
+        <p:spPr/>
+        <p:txBody>
+          <a:bodyPr/>
+          <a:lstStyle/>
+          <a:p>
+            <a:r>
+              <a:rPr lang="en-US" dirty="0" smtClean="0"/>
+              <a:t>Xilinx Challenges</a:t>
+            </a:r>
+            <a:endParaRPr lang="en-US" dirty="0"/>
+          </a:p>
+        </p:txBody>
+      </p:sp>
+      <p:sp>
+        <p:nvSpPr>
+          <p:cNvPr id="3" name="Content Placeholder 2"/>
+          <p:cNvSpPr>
+            <a:spLocks noGrp="1"/>
+          </p:cNvSpPr>
+          <p:nvPr>
+            <p:ph idx="1"/>
+          </p:nvPr>
+        </p:nvSpPr>
+        <p:spPr/>
+        <p:txBody>
+          <a:bodyPr/>
+          <a:lstStyle/>
+          <a:p>
+            <a:r>
+              <a:rPr lang="en-US" dirty="0" smtClean="0"/>
+              <a:t>Once the datapath was complete and working, it was </a:t>
+            </a:r>
+            <a:r>
+              <a:rPr lang="en-US" dirty="0" err="1" smtClean="0"/>
+              <a:t>diffulcult</a:t>
+            </a:r>
+            <a:r>
+              <a:rPr lang="en-US" dirty="0" smtClean="0"/>
+              <a:t> to find the data we needed fo</a:t>
+            </a:r>
+            <a:r>
+              <a:rPr lang="en-US" dirty="0" smtClean="0"/>
+              <a:t>r testing.</a:t>
+            </a:r>
+          </a:p>
+          <a:p>
+            <a:r>
+              <a:rPr lang="en-US" dirty="0" smtClean="0"/>
+              <a:t>While developing the datapath, the files accidentally became corrupt and we had to start from scratch.</a:t>
+            </a:r>
+            <a:endParaRPr lang="en-US" dirty="0"/>
+          </a:p>
+          <a:p>
+            <a:r>
+              <a:rPr lang="en-US" dirty="0" smtClean="0"/>
+              <a:t>Updating schematics sometimes difficult and figuring out all the issues when starting to create the datapath took a little bit to solve</a:t>
+            </a:r>
+          </a:p>
+        </p:txBody>
+      </p:sp>
+      <p:sp>
+        <p:nvSpPr>
+          <p:cNvPr id="4" name="Rectangle 3"/>
+          <p:cNvSpPr/>
+          <p:nvPr/>
+        </p:nvSpPr>
+        <p:spPr>
+          <a:xfrm>
+            <a:off x="11932920" y="6620256"/>
+            <a:ext cx="259080" cy="237744"/>
+          </a:xfrm>
+          <a:prstGeom prst="rect">
+            <a:avLst/>
+          </a:prstGeom>
+          <a:solidFill>
+            <a:srgbClr val="00B050"/>
+          </a:solidFill>
+        </p:spPr>
+        <p:style>
+          <a:lnRef idx="2">
+            <a:schemeClr val="accent2">
+              <a:shade val="50000"/>
+            </a:schemeClr>
+          </a:lnRef>
+          <a:fillRef idx="1">
+            <a:schemeClr val="accent2"/>
+          </a:fillRef>
+          <a:effectRef idx="0">
+            <a:schemeClr val="accent2"/>
+          </a:effectRef>
+          <a:fontRef idx="minor">
+            <a:schemeClr val="lt1"/>
+          </a:fontRef>
+        </p:style>
+        <p:txBody>
+          <a:bodyPr rtlCol="0" anchor="ctr"/>
+          <a:lstStyle/>
+          <a:p>
+            <a:pPr algn="ctr"/>
+            <a:endParaRPr lang="en-US"/>
+          </a:p>
+        </p:txBody>
+      </p:sp>
+    </p:spTree>
+    <p:extLst>
+      <p:ext uri="{BB962C8B-B14F-4D97-AF65-F5344CB8AC3E}">
+        <p14:creationId xmlns:p14="http://schemas.microsoft.com/office/powerpoint/2010/main" val="2744671223"/>
+      </p:ext>
+    </p:extLst>
+  </p:cSld>
+  <p:clrMapOvr>
+    <a:masterClrMapping/>
+  </p:clrMapOvr>
+  <p:timing>
+    <p:tnLst>
+      <p:par>
+        <p:cTn id="1" dur="indefinite" restart="never" nodeType="tmRoot"/>
+      </p:par>
+    </p:tnLst>
+  </p:timing>
+</p:sld>
+</file>
+
+<file path=ppt/slides/slide11.xml><?xml version="1.0" encoding="utf-8"?>
+<p:sld xmlns:a="http://schemas.openxmlformats.org/drawingml/2006/main" xmlns:r="http://schemas.openxmlformats.org/officeDocument/2006/relationships" xmlns:p="http://schemas.openxmlformats.org/presentationml/2006/main">
+  <p:cSld>
+    <p:spTree>
+      <p:nvGrpSpPr>
+        <p:cNvPr id="1" name=""/>
+        <p:cNvGrpSpPr/>
+        <p:nvPr/>
+      </p:nvGrpSpPr>
+      <p:grpSpPr>
+        <a:xfrm>
+          <a:off x="0" y="0"/>
+          <a:ext cx="0" cy="0"/>
+          <a:chOff x="0" y="0"/>
+          <a:chExt cx="0" cy="0"/>
+        </a:xfrm>
+      </p:grpSpPr>
+      <p:sp>
+        <p:nvSpPr>
+          <p:cNvPr id="2" name="Title 1"/>
+          <p:cNvSpPr>
+            <a:spLocks noGrp="1"/>
+          </p:cNvSpPr>
+          <p:nvPr>
+            <p:ph type="title"/>
+          </p:nvPr>
+        </p:nvSpPr>
+        <p:spPr/>
+        <p:txBody>
+          <a:bodyPr/>
+          <a:lstStyle/>
+          <a:p>
+            <a:r>
+              <a:rPr lang="en-US" dirty="0" smtClean="0"/>
+              <a:t>Interesting Aspects</a:t>
+            </a:r>
+            <a:endParaRPr lang="en-US" dirty="0"/>
+          </a:p>
+        </p:txBody>
+      </p:sp>
+      <p:sp>
+        <p:nvSpPr>
+          <p:cNvPr id="3" name="Content Placeholder 2"/>
+          <p:cNvSpPr>
+            <a:spLocks noGrp="1"/>
+          </p:cNvSpPr>
+          <p:nvPr>
+            <p:ph idx="1"/>
+          </p:nvPr>
+        </p:nvSpPr>
+        <p:spPr/>
+        <p:txBody>
+          <a:bodyPr/>
+          <a:lstStyle/>
+          <a:p>
+            <a:r>
+              <a:rPr lang="en-US" dirty="0" smtClean="0"/>
+              <a:t>The instructions are split </a:t>
+            </a:r>
+            <a:r>
+              <a:rPr lang="en-US" dirty="0"/>
+              <a:t>u</a:t>
+            </a:r>
+            <a:r>
+              <a:rPr lang="en-US" dirty="0" smtClean="0"/>
+              <a:t>p into numbers divisible by 4, so each instruction can easily be represented in hex</a:t>
+            </a:r>
+          </a:p>
+          <a:p>
+            <a:r>
+              <a:rPr lang="en-US" dirty="0" smtClean="0"/>
+              <a:t>Branch and jump addresses are computed beforehand and accessed from the computation register during instructions</a:t>
+            </a:r>
+          </a:p>
+          <a:p>
+            <a:endParaRPr lang="en-US" dirty="0" smtClean="0"/>
+          </a:p>
+        </p:txBody>
+      </p:sp>
+    </p:spTree>
+    <p:extLst>
+      <p:ext uri="{BB962C8B-B14F-4D97-AF65-F5344CB8AC3E}">
+        <p14:creationId xmlns:p14="http://schemas.microsoft.com/office/powerpoint/2010/main" val="852911839"/>
+      </p:ext>
+    </p:extLst>
+  </p:cSld>
+  <p:clrMapOvr>
+    <a:masterClrMapping/>
+  </p:clrMapOvr>
+  <p:timing>
+    <p:tnLst>
+      <p:par>
+        <p:cTn id="1" dur="indefinite" restart="never" nodeType="tmRoot"/>
+      </p:par>
+    </p:tnLst>
+  </p:timing>
+</p:sld>
+</file>
+
+<file path=ppt/slides/slide12.xml><?xml version="1.0" encoding="utf-8"?>
+<p:sld xmlns:a="http://schemas.openxmlformats.org/drawingml/2006/main" xmlns:r="http://schemas.openxmlformats.org/officeDocument/2006/relationships" xmlns:p="http://schemas.openxmlformats.org/presentationml/2006/main">
+  <p:cSld>
+    <p:spTree>
+      <p:nvGrpSpPr>
+        <p:cNvPr id="1" name=""/>
+        <p:cNvGrpSpPr/>
+        <p:nvPr/>
+      </p:nvGrpSpPr>
+      <p:grpSpPr>
+        <a:xfrm>
+          <a:off x="0" y="0"/>
+          <a:ext cx="0" cy="0"/>
+          <a:chOff x="0" y="0"/>
+          <a:chExt cx="0" cy="0"/>
+        </a:xfrm>
+      </p:grpSpPr>
+      <p:sp>
+        <p:nvSpPr>
+          <p:cNvPr id="2" name="Title 1"/>
+          <p:cNvSpPr>
+            <a:spLocks noGrp="1"/>
+          </p:cNvSpPr>
+          <p:nvPr>
+            <p:ph type="title"/>
+          </p:nvPr>
+        </p:nvSpPr>
+        <p:spPr/>
+        <p:txBody>
+          <a:bodyPr/>
+          <a:lstStyle/>
+          <a:p>
+            <a:r>
+              <a:rPr lang="en-US" dirty="0" smtClean="0"/>
+              <a:t>Conclusion/Questions</a:t>
+            </a:r>
+            <a:endParaRPr lang="en-US" dirty="0"/>
+          </a:p>
+        </p:txBody>
+      </p:sp>
+      <p:sp>
+        <p:nvSpPr>
+          <p:cNvPr id="3" name="Content Placeholder 2"/>
+          <p:cNvSpPr>
+            <a:spLocks noGrp="1"/>
+          </p:cNvSpPr>
+          <p:nvPr>
+            <p:ph idx="1"/>
+          </p:nvPr>
+        </p:nvSpPr>
+        <p:spPr/>
+        <p:txBody>
+          <a:bodyPr/>
+          <a:lstStyle/>
+          <a:p>
+            <a:pPr marL="0" indent="0">
+              <a:buNone/>
+            </a:pPr>
+            <a:endParaRPr lang="en-US" dirty="0"/>
+          </a:p>
+        </p:txBody>
+      </p:sp>
+    </p:spTree>
+    <p:extLst>
+      <p:ext uri="{BB962C8B-B14F-4D97-AF65-F5344CB8AC3E}">
+        <p14:creationId xmlns:p14="http://schemas.microsoft.com/office/powerpoint/2010/main" val="1716539240"/>
+      </p:ext>
+    </p:extLst>
+  </p:cSld>
+  <p:clrMapOvr>
+    <a:masterClrMapping/>
+  </p:clrMapOvr>
+  <p:timing>
+    <p:tnLst>
+      <p:par>
+        <p:cTn id="1" dur="indefinite" restart="never" nodeType="tmRoot"/>
+      </p:par>
+    </p:tnLst>
+  </p:timing>
 </p:sld>
 </file>
 
@@ -7845,16 +8215,67 @@
           <a:p>
             <a:r>
               <a:rPr lang="en-US" dirty="0" smtClean="0"/>
-              <a:t>Unique Features</a:t>
+              <a:t>Unique </a:t>
+            </a:r>
+            <a:r>
+              <a:rPr lang="en-US" dirty="0" smtClean="0"/>
+              <a:t>Features</a:t>
             </a:r>
           </a:p>
           <a:p>
             <a:pPr lvl="1"/>
             <a:r>
               <a:rPr lang="en-US" dirty="0" smtClean="0"/>
-              <a:t>Computation Register</a:t>
-            </a:r>
+              <a:t>Computation </a:t>
+            </a:r>
+            <a:r>
+              <a:rPr lang="en-US" dirty="0" smtClean="0"/>
+              <a:t>Register</a:t>
+            </a:r>
+          </a:p>
+          <a:p>
+            <a:pPr lvl="1"/>
             <a:endParaRPr lang="en-US" dirty="0" smtClean="0"/>
+          </a:p>
+        </p:txBody>
+      </p:sp>
+      <p:sp>
+        <p:nvSpPr>
+          <p:cNvPr id="4" name="Rectangle 3"/>
+          <p:cNvSpPr/>
+          <p:nvPr/>
+        </p:nvSpPr>
+        <p:spPr>
+          <a:xfrm>
+            <a:off x="11932920" y="6620256"/>
+            <a:ext cx="259080" cy="237744"/>
+          </a:xfrm>
+          <a:prstGeom prst="rect">
+            <a:avLst/>
+          </a:prstGeom>
+        </p:spPr>
+        <p:style>
+          <a:lnRef idx="2">
+            <a:schemeClr val="accent2">
+              <a:shade val="50000"/>
+            </a:schemeClr>
+          </a:lnRef>
+          <a:fillRef idx="1">
+            <a:schemeClr val="accent2"/>
+          </a:fillRef>
+          <a:effectRef idx="0">
+            <a:schemeClr val="accent2"/>
+          </a:effectRef>
+          <a:fontRef idx="minor">
+            <a:schemeClr val="lt1"/>
+          </a:fontRef>
+        </p:style>
+        <p:txBody>
+          <a:bodyPr rtlCol="0" anchor="ctr"/>
+          <a:lstStyle/>
+          <a:p>
+            <a:pPr algn="ctr"/>
+            <a:endParaRPr lang="en-US"/>
           </a:p>
         </p:txBody>
       </p:sp>
@@ -7868,6 +8289,13 @@
   <p:clrMapOvr>
     <a:masterClrMapping/>
   </p:clrMapOvr>
+  <p:timing>
+    <p:tnLst>
+      <p:par>
+        <p:cTn id="1" dur="indefinite" restart="never" nodeType="tmRoot"/>
+      </p:par>
+    </p:tnLst>
+  </p:timing>
 </p:sld>
 </file>
 
@@ -7941,6 +8369,12 @@
             <a:r>
               <a:rPr lang="en-US" dirty="0" smtClean="0"/>
               <a:t>4-bit function code</a:t>
+            </a:r>
+          </a:p>
+          <a:p>
+            <a:r>
+              <a:rPr lang="en-US" dirty="0" smtClean="0"/>
+              <a:t>All results stored in computation register</a:t>
             </a:r>
             <a:endParaRPr lang="en-US" dirty="0"/>
           </a:p>
@@ -7970,6 +8404,49 @@
           </a:prstGeom>
         </p:spPr>
       </p:pic>
+      <p:sp>
+        <p:nvSpPr>
+          <p:cNvPr id="6" name="Rectangle 5"/>
+          <p:cNvSpPr/>
+          <p:nvPr/>
+        </p:nvSpPr>
+        <p:spPr>
+          <a:xfrm>
+            <a:off x="11932920" y="6620256"/>
+            <a:ext cx="259080" cy="237744"/>
+          </a:xfrm>
+          <a:prstGeom prst="rect">
+            <a:avLst/>
+          </a:prstGeom>
+          <a:solidFill>
+            <a:srgbClr val="E69D1A"/>
+          </a:solidFill>
+        </p:spPr>
+        <p:style>
+          <a:lnRef idx="2">
+            <a:schemeClr val="accent2">
+              <a:shade val="50000"/>
+            </a:schemeClr>
+          </a:lnRef>
+          <a:fillRef idx="1">
+            <a:schemeClr val="accent2"/>
+          </a:fillRef>
+          <a:effectRef idx="0">
+            <a:schemeClr val="accent2"/>
+          </a:effectRef>
+          <a:fontRef idx="minor">
+            <a:schemeClr val="lt1"/>
+          </a:fontRef>
+        </p:style>
+        <p:txBody>
+          <a:bodyPr rtlCol="0" anchor="ctr"/>
+          <a:lstStyle/>
+          <a:p>
+            <a:pPr algn="ctr"/>
+            <a:endParaRPr lang="en-US"/>
+          </a:p>
+        </p:txBody>
+      </p:sp>
     </p:spTree>
     <p:extLst>
       <p:ext uri="{BB962C8B-B14F-4D97-AF65-F5344CB8AC3E}">
@@ -7980,6 +8457,13 @@
   <p:clrMapOvr>
     <a:masterClrMapping/>
   </p:clrMapOvr>
+  <p:timing>
+    <p:tnLst>
+      <p:par>
+        <p:cTn id="1" dur="indefinite" restart="never" nodeType="tmRoot"/>
+      </p:par>
+    </p:tnLst>
+  </p:timing>
 </p:sld>
 </file>
 
@@ -8053,6 +8537,12 @@
             <a:r>
               <a:rPr lang="en-US" dirty="0" smtClean="0"/>
               <a:t>8-bit immediate</a:t>
+            </a:r>
+          </a:p>
+          <a:p>
+            <a:r>
+              <a:rPr lang="en-US" dirty="0" smtClean="0"/>
+              <a:t>Branches use a previously computed address in the computation register</a:t>
             </a:r>
             <a:endParaRPr lang="en-US" dirty="0"/>
           </a:p>
@@ -8082,6 +8572,49 @@
           </a:prstGeom>
         </p:spPr>
       </p:pic>
+      <p:sp>
+        <p:nvSpPr>
+          <p:cNvPr id="5" name="Rectangle 4"/>
+          <p:cNvSpPr/>
+          <p:nvPr/>
+        </p:nvSpPr>
+        <p:spPr>
+          <a:xfrm>
+            <a:off x="11932920" y="6620256"/>
+            <a:ext cx="259080" cy="237744"/>
+          </a:xfrm>
+          <a:prstGeom prst="rect">
+            <a:avLst/>
+          </a:prstGeom>
+          <a:solidFill>
+            <a:srgbClr val="E69D1A"/>
+          </a:solidFill>
+        </p:spPr>
+        <p:style>
+          <a:lnRef idx="2">
+            <a:schemeClr val="accent2">
+              <a:shade val="50000"/>
+            </a:schemeClr>
+          </a:lnRef>
+          <a:fillRef idx="1">
+            <a:schemeClr val="accent2"/>
+          </a:fillRef>
+          <a:effectRef idx="0">
+            <a:schemeClr val="accent2"/>
+          </a:effectRef>
+          <a:fontRef idx="minor">
+            <a:schemeClr val="lt1"/>
+          </a:fontRef>
+        </p:style>
+        <p:txBody>
+          <a:bodyPr rtlCol="0" anchor="ctr"/>
+          <a:lstStyle/>
+          <a:p>
+            <a:pPr algn="ctr"/>
+            <a:endParaRPr lang="en-US"/>
+          </a:p>
+        </p:txBody>
+      </p:sp>
     </p:spTree>
     <p:extLst>
       <p:ext uri="{BB962C8B-B14F-4D97-AF65-F5344CB8AC3E}">
@@ -8092,6 +8625,13 @@
   <p:clrMapOvr>
     <a:masterClrMapping/>
   </p:clrMapOvr>
+  <p:timing>
+    <p:tnLst>
+      <p:par>
+        <p:cTn id="1" dur="indefinite" restart="never" nodeType="tmRoot"/>
+      </p:par>
+    </p:tnLst>
+  </p:timing>
 </p:sld>
 </file>
 
@@ -8194,6 +8734,49 @@
           </a:prstGeom>
         </p:spPr>
       </p:pic>
+      <p:sp>
+        <p:nvSpPr>
+          <p:cNvPr id="5" name="Rectangle 4"/>
+          <p:cNvSpPr/>
+          <p:nvPr/>
+        </p:nvSpPr>
+        <p:spPr>
+          <a:xfrm>
+            <a:off x="11932920" y="6620256"/>
+            <a:ext cx="259080" cy="237744"/>
+          </a:xfrm>
+          <a:prstGeom prst="rect">
+            <a:avLst/>
+          </a:prstGeom>
+          <a:solidFill>
+            <a:srgbClr val="E69D1A"/>
+          </a:solidFill>
+        </p:spPr>
+        <p:style>
+          <a:lnRef idx="2">
+            <a:schemeClr val="accent2">
+              <a:shade val="50000"/>
+            </a:schemeClr>
+          </a:lnRef>
+          <a:fillRef idx="1">
+            <a:schemeClr val="accent2"/>
+          </a:fillRef>
+          <a:effectRef idx="0">
+            <a:schemeClr val="accent2"/>
+          </a:effectRef>
+          <a:fontRef idx="minor">
+            <a:schemeClr val="lt1"/>
+          </a:fontRef>
+        </p:style>
+        <p:txBody>
+          <a:bodyPr rtlCol="0" anchor="ctr"/>
+          <a:lstStyle/>
+          <a:p>
+            <a:pPr algn="ctr"/>
+            <a:endParaRPr lang="en-US"/>
+          </a:p>
+        </p:txBody>
+      </p:sp>
     </p:spTree>
     <p:extLst>
       <p:ext uri="{BB962C8B-B14F-4D97-AF65-F5344CB8AC3E}">
@@ -8204,6 +8787,13 @@
   <p:clrMapOvr>
     <a:masterClrMapping/>
   </p:clrMapOvr>
+  <p:timing>
+    <p:tnLst>
+      <p:par>
+        <p:cTn id="1" dur="indefinite" restart="never" nodeType="tmRoot"/>
+      </p:par>
+    </p:tnLst>
+  </p:timing>
 </p:sld>
 </file>
 
@@ -8240,7 +8830,7 @@
           <a:lstStyle/>
           <a:p>
             <a:r>
-              <a:rPr lang="en-US" dirty="0" err="1" smtClean="0"/>
+              <a:rPr lang="en-US" dirty="0" smtClean="0"/>
               <a:t>Datapath</a:t>
             </a:r>
             <a:endParaRPr lang="en-US" dirty="0"/>
@@ -8276,6 +8866,49 @@
           </a:xfrm>
         </p:spPr>
       </p:pic>
+      <p:sp>
+        <p:nvSpPr>
+          <p:cNvPr id="5" name="Rectangle 4"/>
+          <p:cNvSpPr/>
+          <p:nvPr/>
+        </p:nvSpPr>
+        <p:spPr>
+          <a:xfrm>
+            <a:off x="11932920" y="6620256"/>
+            <a:ext cx="259080" cy="237744"/>
+          </a:xfrm>
+          <a:prstGeom prst="rect">
+            <a:avLst/>
+          </a:prstGeom>
+          <a:solidFill>
+            <a:srgbClr val="7030A0"/>
+          </a:solidFill>
+        </p:spPr>
+        <p:style>
+          <a:lnRef idx="2">
+            <a:schemeClr val="accent2">
+              <a:shade val="50000"/>
+            </a:schemeClr>
+          </a:lnRef>
+          <a:fillRef idx="1">
+            <a:schemeClr val="accent2"/>
+          </a:fillRef>
+          <a:effectRef idx="0">
+            <a:schemeClr val="accent2"/>
+          </a:effectRef>
+          <a:fontRef idx="minor">
+            <a:schemeClr val="lt1"/>
+          </a:fontRef>
+        </p:style>
+        <p:txBody>
+          <a:bodyPr rtlCol="0" anchor="ctr"/>
+          <a:lstStyle/>
+          <a:p>
+            <a:pPr algn="ctr"/>
+            <a:endParaRPr lang="en-US"/>
+          </a:p>
+        </p:txBody>
+      </p:sp>
     </p:spTree>
     <p:extLst>
       <p:ext uri="{BB962C8B-B14F-4D97-AF65-F5344CB8AC3E}">
@@ -8286,6 +8919,522 @@
   <p:clrMapOvr>
     <a:masterClrMapping/>
   </p:clrMapOvr>
+  <p:timing>
+    <p:tnLst>
+      <p:par>
+        <p:cTn id="1" dur="indefinite" restart="never" nodeType="tmRoot"/>
+      </p:par>
+    </p:tnLst>
+  </p:timing>
+</p:sld>
+</file>
+
+<file path=ppt/slides/slide7.xml><?xml version="1.0" encoding="utf-8"?>
+<p:sld xmlns:a="http://schemas.openxmlformats.org/drawingml/2006/main" xmlns:r="http://schemas.openxmlformats.org/officeDocument/2006/relationships" xmlns:p="http://schemas.openxmlformats.org/presentationml/2006/main">
+  <p:cSld>
+    <p:spTree>
+      <p:nvGrpSpPr>
+        <p:cNvPr id="1" name=""/>
+        <p:cNvGrpSpPr/>
+        <p:nvPr/>
+      </p:nvGrpSpPr>
+      <p:grpSpPr>
+        <a:xfrm>
+          <a:off x="0" y="0"/>
+          <a:ext cx="0" cy="0"/>
+          <a:chOff x="0" y="0"/>
+          <a:chExt cx="0" cy="0"/>
+        </a:xfrm>
+      </p:grpSpPr>
+      <p:sp>
+        <p:nvSpPr>
+          <p:cNvPr id="2" name="Title 1"/>
+          <p:cNvSpPr>
+            <a:spLocks noGrp="1"/>
+          </p:cNvSpPr>
+          <p:nvPr>
+            <p:ph type="title"/>
+          </p:nvPr>
+        </p:nvSpPr>
+        <p:spPr/>
+        <p:txBody>
+          <a:bodyPr/>
+          <a:lstStyle/>
+          <a:p>
+            <a:r>
+              <a:rPr lang="en-US" dirty="0" smtClean="0"/>
+              <a:t>Performance</a:t>
+            </a:r>
+            <a:endParaRPr lang="en-US" dirty="0"/>
+          </a:p>
+        </p:txBody>
+      </p:sp>
+      <p:pic>
+        <p:nvPicPr>
+          <p:cNvPr id="4" name="Content Placeholder 3"/>
+          <p:cNvPicPr>
+            <a:picLocks noGrp="1" noChangeAspect="1"/>
+          </p:cNvPicPr>
+          <p:nvPr>
+            <p:ph idx="1"/>
+          </p:nvPr>
+        </p:nvPicPr>
+        <p:blipFill>
+          <a:blip r:embed="rId2"/>
+          <a:stretch>
+            <a:fillRect/>
+          </a:stretch>
+        </p:blipFill>
+        <p:spPr>
+          <a:xfrm>
+            <a:off x="2592925" y="1905000"/>
+            <a:ext cx="4621691" cy="4953000"/>
+          </a:xfrm>
+          <a:prstGeom prst="rect">
+            <a:avLst/>
+          </a:prstGeom>
+        </p:spPr>
+      </p:pic>
+      <p:sp>
+        <p:nvSpPr>
+          <p:cNvPr id="6" name="Rectangle 5"/>
+          <p:cNvSpPr/>
+          <p:nvPr/>
+        </p:nvSpPr>
+        <p:spPr>
+          <a:xfrm>
+            <a:off x="11932920" y="6620256"/>
+            <a:ext cx="259080" cy="237744"/>
+          </a:xfrm>
+          <a:prstGeom prst="rect">
+            <a:avLst/>
+          </a:prstGeom>
+          <a:solidFill>
+            <a:srgbClr val="7030A0"/>
+          </a:solidFill>
+        </p:spPr>
+        <p:style>
+          <a:lnRef idx="2">
+            <a:schemeClr val="accent2">
+              <a:shade val="50000"/>
+            </a:schemeClr>
+          </a:lnRef>
+          <a:fillRef idx="1">
+            <a:schemeClr val="accent2"/>
+          </a:fillRef>
+          <a:effectRef idx="0">
+            <a:schemeClr val="accent2"/>
+          </a:effectRef>
+          <a:fontRef idx="minor">
+            <a:schemeClr val="lt1"/>
+          </a:fontRef>
+        </p:style>
+        <p:txBody>
+          <a:bodyPr rtlCol="0" anchor="ctr"/>
+          <a:lstStyle/>
+          <a:p>
+            <a:pPr algn="ctr"/>
+            <a:endParaRPr lang="en-US"/>
+          </a:p>
+        </p:txBody>
+      </p:sp>
+    </p:spTree>
+    <p:extLst>
+      <p:ext uri="{BB962C8B-B14F-4D97-AF65-F5344CB8AC3E}">
+        <p14:creationId xmlns:p14="http://schemas.microsoft.com/office/powerpoint/2010/main" val="2763758940"/>
+      </p:ext>
+    </p:extLst>
+  </p:cSld>
+  <p:clrMapOvr>
+    <a:masterClrMapping/>
+  </p:clrMapOvr>
+  <p:timing>
+    <p:tnLst>
+      <p:par>
+        <p:cTn id="1" dur="indefinite" restart="never" nodeType="tmRoot"/>
+      </p:par>
+    </p:tnLst>
+  </p:timing>
+</p:sld>
+</file>
+
+<file path=ppt/slides/slide8.xml><?xml version="1.0" encoding="utf-8"?>
+<p:sld xmlns:a="http://schemas.openxmlformats.org/drawingml/2006/main" xmlns:r="http://schemas.openxmlformats.org/officeDocument/2006/relationships" xmlns:p="http://schemas.openxmlformats.org/presentationml/2006/main">
+  <p:cSld>
+    <p:spTree>
+      <p:nvGrpSpPr>
+        <p:cNvPr id="1" name=""/>
+        <p:cNvGrpSpPr/>
+        <p:nvPr/>
+      </p:nvGrpSpPr>
+      <p:grpSpPr>
+        <a:xfrm>
+          <a:off x="0" y="0"/>
+          <a:ext cx="0" cy="0"/>
+          <a:chOff x="0" y="0"/>
+          <a:chExt cx="0" cy="0"/>
+        </a:xfrm>
+      </p:grpSpPr>
+      <p:sp>
+        <p:nvSpPr>
+          <p:cNvPr id="2" name="Title 1"/>
+          <p:cNvSpPr>
+            <a:spLocks noGrp="1"/>
+          </p:cNvSpPr>
+          <p:nvPr>
+            <p:ph type="title"/>
+          </p:nvPr>
+        </p:nvSpPr>
+        <p:spPr/>
+        <p:txBody>
+          <a:bodyPr/>
+          <a:lstStyle/>
+          <a:p>
+            <a:r>
+              <a:rPr lang="en-US" dirty="0" smtClean="0"/>
+              <a:t>Changes to </a:t>
+            </a:r>
+            <a:r>
+              <a:rPr lang="en-US" dirty="0"/>
+              <a:t>O</a:t>
+            </a:r>
+            <a:r>
+              <a:rPr lang="en-US" dirty="0" smtClean="0"/>
+              <a:t>ur Design</a:t>
+            </a:r>
+            <a:endParaRPr lang="en-US" dirty="0"/>
+          </a:p>
+        </p:txBody>
+      </p:sp>
+      <p:sp>
+        <p:nvSpPr>
+          <p:cNvPr id="3" name="Content Placeholder 2"/>
+          <p:cNvSpPr>
+            <a:spLocks noGrp="1"/>
+          </p:cNvSpPr>
+          <p:nvPr>
+            <p:ph idx="1"/>
+          </p:nvPr>
+        </p:nvSpPr>
+        <p:spPr/>
+        <p:txBody>
+          <a:bodyPr/>
+          <a:lstStyle/>
+          <a:p>
+            <a:r>
+              <a:rPr lang="en-US" dirty="0" smtClean="0"/>
+              <a:t>Remove the function code in C-type instructions and expand the opcodes</a:t>
+            </a:r>
+          </a:p>
+          <a:p>
+            <a:r>
+              <a:rPr lang="en-US" dirty="0" smtClean="0"/>
+              <a:t>Make it easier to manipulate numbers using the computation register</a:t>
+            </a:r>
+          </a:p>
+          <a:p>
+            <a:r>
+              <a:rPr lang="en-US" dirty="0" smtClean="0"/>
+              <a:t>Add more pseudo-code to reduce code density</a:t>
+            </a:r>
+          </a:p>
+          <a:p>
+            <a:endParaRPr lang="en-US" dirty="0" smtClean="0"/>
+          </a:p>
+          <a:p>
+            <a:endParaRPr lang="en-US" dirty="0"/>
+          </a:p>
+        </p:txBody>
+      </p:sp>
+      <p:sp>
+        <p:nvSpPr>
+          <p:cNvPr id="4" name="Rectangle 3"/>
+          <p:cNvSpPr/>
+          <p:nvPr/>
+        </p:nvSpPr>
+        <p:spPr>
+          <a:xfrm>
+            <a:off x="11932920" y="6620256"/>
+            <a:ext cx="259080" cy="237744"/>
+          </a:xfrm>
+          <a:prstGeom prst="rect">
+            <a:avLst/>
+          </a:prstGeom>
+          <a:solidFill>
+            <a:srgbClr val="00B050"/>
+          </a:solidFill>
+        </p:spPr>
+        <p:style>
+          <a:lnRef idx="2">
+            <a:schemeClr val="accent2">
+              <a:shade val="50000"/>
+            </a:schemeClr>
+          </a:lnRef>
+          <a:fillRef idx="1">
+            <a:schemeClr val="accent2"/>
+          </a:fillRef>
+          <a:effectRef idx="0">
+            <a:schemeClr val="accent2"/>
+          </a:effectRef>
+          <a:fontRef idx="minor">
+            <a:schemeClr val="lt1"/>
+          </a:fontRef>
+        </p:style>
+        <p:txBody>
+          <a:bodyPr rtlCol="0" anchor="ctr"/>
+          <a:lstStyle/>
+          <a:p>
+            <a:pPr algn="ctr"/>
+            <a:endParaRPr lang="en-US"/>
+          </a:p>
+        </p:txBody>
+      </p:sp>
+    </p:spTree>
+    <p:extLst>
+      <p:ext uri="{BB962C8B-B14F-4D97-AF65-F5344CB8AC3E}">
+        <p14:creationId xmlns:p14="http://schemas.microsoft.com/office/powerpoint/2010/main" val="2875359745"/>
+      </p:ext>
+    </p:extLst>
+  </p:cSld>
+  <p:clrMapOvr>
+    <a:masterClrMapping/>
+  </p:clrMapOvr>
+  <p:timing>
+    <p:tnLst>
+      <p:par>
+        <p:cTn id="1" dur="indefinite" restart="never" nodeType="tmRoot"/>
+      </p:par>
+    </p:tnLst>
+  </p:timing>
+</p:sld>
+</file>
+
+<file path=ppt/slides/slide9.xml><?xml version="1.0" encoding="utf-8"?>
+<p:sld xmlns:a="http://schemas.openxmlformats.org/drawingml/2006/main" xmlns:r="http://schemas.openxmlformats.org/officeDocument/2006/relationships" xmlns:p="http://schemas.openxmlformats.org/presentationml/2006/main">
+  <p:cSld>
+    <p:spTree>
+      <p:nvGrpSpPr>
+        <p:cNvPr id="1" name=""/>
+        <p:cNvGrpSpPr/>
+        <p:nvPr/>
+      </p:nvGrpSpPr>
+      <p:grpSpPr>
+        <a:xfrm>
+          <a:off x="0" y="0"/>
+          <a:ext cx="0" cy="0"/>
+          <a:chOff x="0" y="0"/>
+          <a:chExt cx="0" cy="0"/>
+        </a:xfrm>
+      </p:grpSpPr>
+      <p:sp>
+        <p:nvSpPr>
+          <p:cNvPr id="2" name="Title 1"/>
+          <p:cNvSpPr>
+            <a:spLocks noGrp="1"/>
+          </p:cNvSpPr>
+          <p:nvPr>
+            <p:ph type="title"/>
+          </p:nvPr>
+        </p:nvSpPr>
+        <p:spPr/>
+        <p:txBody>
+          <a:bodyPr/>
+          <a:lstStyle/>
+          <a:p>
+            <a:r>
+              <a:rPr lang="en-US" dirty="0" smtClean="0"/>
+              <a:t>Design Challenges</a:t>
+            </a:r>
+            <a:endParaRPr lang="en-US" dirty="0"/>
+          </a:p>
+        </p:txBody>
+      </p:sp>
+      <p:sp>
+        <p:nvSpPr>
+          <p:cNvPr id="4" name="Text Placeholder 3"/>
+          <p:cNvSpPr>
+            <a:spLocks noGrp="1"/>
+          </p:cNvSpPr>
+          <p:nvPr>
+            <p:ph type="body" idx="1"/>
+          </p:nvPr>
+        </p:nvSpPr>
+        <p:spPr/>
+        <p:txBody>
+          <a:bodyPr/>
+          <a:lstStyle/>
+          <a:p>
+            <a:r>
+              <a:rPr lang="en-US" dirty="0" smtClean="0"/>
+              <a:t>Problems</a:t>
+            </a:r>
+            <a:endParaRPr lang="en-US" dirty="0"/>
+          </a:p>
+        </p:txBody>
+      </p:sp>
+      <p:sp>
+        <p:nvSpPr>
+          <p:cNvPr id="5" name="Content Placeholder 4"/>
+          <p:cNvSpPr>
+            <a:spLocks noGrp="1"/>
+          </p:cNvSpPr>
+          <p:nvPr>
+            <p:ph sz="half" idx="2"/>
+          </p:nvPr>
+        </p:nvSpPr>
+        <p:spPr/>
+        <p:txBody>
+          <a:bodyPr/>
+          <a:lstStyle/>
+          <a:p>
+            <a:r>
+              <a:rPr lang="en-US" dirty="0" smtClean="0"/>
+              <a:t>PC </a:t>
+            </a:r>
+            <a:r>
+              <a:rPr lang="en-US" dirty="0"/>
+              <a:t>was being incremented one cycle </a:t>
+            </a:r>
+            <a:r>
+              <a:rPr lang="en-US" dirty="0" smtClean="0"/>
+              <a:t>late during branches and jumps</a:t>
+            </a:r>
+          </a:p>
+          <a:p>
+            <a:r>
+              <a:rPr lang="en-US" dirty="0" smtClean="0"/>
+              <a:t>Working with a 10-bit memory unit provided some challenges to the integration step</a:t>
+            </a:r>
+            <a:endParaRPr lang="en-US" dirty="0"/>
+          </a:p>
+          <a:p>
+            <a:endParaRPr lang="en-US" dirty="0" smtClean="0"/>
+          </a:p>
+        </p:txBody>
+      </p:sp>
+      <p:sp>
+        <p:nvSpPr>
+          <p:cNvPr id="6" name="Text Placeholder 5"/>
+          <p:cNvSpPr>
+            <a:spLocks noGrp="1"/>
+          </p:cNvSpPr>
+          <p:nvPr>
+            <p:ph type="body" sz="quarter" idx="3"/>
+          </p:nvPr>
+        </p:nvSpPr>
+        <p:spPr/>
+        <p:txBody>
+          <a:bodyPr/>
+          <a:lstStyle/>
+          <a:p>
+            <a:r>
+              <a:rPr lang="en-US" dirty="0" smtClean="0"/>
+              <a:t>Solutions</a:t>
+            </a:r>
+            <a:endParaRPr lang="en-US" dirty="0"/>
+          </a:p>
+        </p:txBody>
+      </p:sp>
+      <p:sp>
+        <p:nvSpPr>
+          <p:cNvPr id="7" name="Content Placeholder 6"/>
+          <p:cNvSpPr>
+            <a:spLocks noGrp="1"/>
+          </p:cNvSpPr>
+          <p:nvPr>
+            <p:ph sz="quarter" idx="4"/>
+          </p:nvPr>
+        </p:nvSpPr>
+        <p:spPr/>
+        <p:txBody>
+          <a:bodyPr/>
+          <a:lstStyle/>
+          <a:p>
+            <a:r>
+              <a:rPr lang="en-US" dirty="0" smtClean="0"/>
+              <a:t>Inserted a stall to delay the </a:t>
+            </a:r>
+          </a:p>
+          <a:p>
+            <a:endParaRPr lang="en-US" dirty="0"/>
+          </a:p>
+          <a:p>
+            <a:r>
+              <a:rPr lang="en-US" dirty="0" smtClean="0"/>
+              <a:t>Edited the part for our needs after troubleshooting</a:t>
+            </a:r>
+          </a:p>
+          <a:p>
+            <a:endParaRPr lang="en-US" dirty="0"/>
+          </a:p>
+          <a:p>
+            <a:endParaRPr lang="en-US" dirty="0" smtClean="0"/>
+          </a:p>
+          <a:p>
+            <a:endParaRPr lang="en-US" dirty="0"/>
+          </a:p>
+        </p:txBody>
+      </p:sp>
+      <p:sp>
+        <p:nvSpPr>
+          <p:cNvPr id="8" name="Rectangle 7"/>
+          <p:cNvSpPr/>
+          <p:nvPr/>
+        </p:nvSpPr>
+        <p:spPr>
+          <a:xfrm>
+            <a:off x="11932920" y="6620256"/>
+            <a:ext cx="259080" cy="237744"/>
+          </a:xfrm>
+          <a:prstGeom prst="rect">
+            <a:avLst/>
+          </a:prstGeom>
+          <a:solidFill>
+            <a:srgbClr val="00B050"/>
+          </a:solidFill>
+        </p:spPr>
+        <p:style>
+          <a:lnRef idx="2">
+            <a:schemeClr val="accent2">
+              <a:shade val="50000"/>
+            </a:schemeClr>
+          </a:lnRef>
+          <a:fillRef idx="1">
+            <a:schemeClr val="accent2"/>
+          </a:fillRef>
+          <a:effectRef idx="0">
+            <a:schemeClr val="accent2"/>
+          </a:effectRef>
+          <a:fontRef idx="minor">
+            <a:schemeClr val="lt1"/>
+          </a:fontRef>
+        </p:style>
+        <p:txBody>
+          <a:bodyPr rtlCol="0" anchor="ctr"/>
+          <a:lstStyle/>
+          <a:p>
+            <a:pPr algn="ctr"/>
+            <a:endParaRPr lang="en-US"/>
+          </a:p>
+        </p:txBody>
+      </p:sp>
+    </p:spTree>
+    <p:extLst>
+      <p:ext uri="{BB962C8B-B14F-4D97-AF65-F5344CB8AC3E}">
+        <p14:creationId xmlns:p14="http://schemas.microsoft.com/office/powerpoint/2010/main" val="4068035247"/>
+      </p:ext>
+    </p:extLst>
+  </p:cSld>
+  <p:clrMapOvr>
+    <a:masterClrMapping/>
+  </p:clrMapOvr>
+  <p:timing>
+    <p:tnLst>
+      <p:par>
+        <p:cTn id="1" dur="indefinite" restart="never" nodeType="tmRoot"/>
+      </p:par>
+    </p:tnLst>
+  </p:timing>
 </p:sld>
 </file>
 

--- a/FinalReport/FinalPresentation-Working.pptx
+++ b/FinalReport/FinalPresentation-Working.pptx
@@ -7859,11 +7859,7 @@
             </a:r>
             <a:r>
               <a:rPr lang="en-US" dirty="0" smtClean="0"/>
-              <a:t> to find the data we needed fo</a:t>
-            </a:r>
-            <a:r>
-              <a:rPr lang="en-US" dirty="0" smtClean="0"/>
-              <a:t>r testing.</a:t>
+              <a:t> to find the data we needed for testing.</a:t>
             </a:r>
           </a:p>
           <a:p>
@@ -8015,10 +8011,43 @@
           <a:p>
             <a:r>
               <a:rPr lang="en-US" dirty="0" smtClean="0"/>
-              <a:t>Branch and jump addresses are computed beforehand and accessed from the computation register during instructions</a:t>
-            </a:r>
-          </a:p>
-          <a:p>
+              <a:t>Branch and jump addresses are computed beforehand and accessed from the computation register during </a:t>
+            </a:r>
+            <a:r>
+              <a:rPr lang="en-US" dirty="0" smtClean="0"/>
+              <a:t>instructions that change PC</a:t>
+            </a:r>
+            <a:endParaRPr lang="en-US" dirty="0" smtClean="0"/>
+          </a:p>
+          <a:p>
+            <a:r>
+              <a:rPr lang="en-US" dirty="0" err="1"/>
+              <a:t>l</a:t>
+            </a:r>
+            <a:r>
+              <a:rPr lang="en-US" dirty="0" err="1" smtClean="0"/>
+              <a:t>w</a:t>
+            </a:r>
+            <a:r>
+              <a:rPr lang="en-US" dirty="0" smtClean="0"/>
+              <a:t>/</a:t>
+            </a:r>
+            <a:r>
+              <a:rPr lang="en-US" dirty="0" err="1" smtClean="0"/>
+              <a:t>sw</a:t>
+            </a:r>
+            <a:r>
+              <a:rPr lang="en-US" dirty="0" smtClean="0"/>
+              <a:t> memory addresses are computed beforehand </a:t>
+            </a:r>
+            <a:r>
+              <a:rPr lang="en-US" smtClean="0"/>
+              <a:t>and accessed </a:t>
+            </a:r>
+            <a:r>
+              <a:rPr lang="en-US" dirty="0" smtClean="0"/>
+              <a:t>from the computation register during memory access instructions</a:t>
+            </a:r>
             <a:endParaRPr lang="en-US" dirty="0" smtClean="0"/>
           </a:p>
         </p:txBody>
@@ -8215,22 +8244,14 @@
           <a:p>
             <a:r>
               <a:rPr lang="en-US" dirty="0" smtClean="0"/>
-              <a:t>Unique </a:t>
-            </a:r>
+              <a:t>Unique Features</a:t>
+            </a:r>
+          </a:p>
+          <a:p>
+            <a:pPr lvl="1"/>
             <a:r>
               <a:rPr lang="en-US" dirty="0" smtClean="0"/>
-              <a:t>Features</a:t>
-            </a:r>
-          </a:p>
-          <a:p>
-            <a:pPr lvl="1"/>
-            <a:r>
-              <a:rPr lang="en-US" dirty="0" smtClean="0"/>
-              <a:t>Computation </a:t>
-            </a:r>
-            <a:r>
-              <a:rPr lang="en-US" dirty="0" smtClean="0"/>
-              <a:t>Register</a:t>
+              <a:t>Computation Register</a:t>
             </a:r>
           </a:p>
           <a:p>
@@ -8987,7 +9008,7 @@
         </p:blipFill>
         <p:spPr>
           <a:xfrm>
-            <a:off x="2592925" y="1905000"/>
+            <a:off x="2592925" y="1923288"/>
             <a:ext cx="4621691" cy="4953000"/>
           </a:xfrm>
           <a:prstGeom prst="rect">

--- a/FinalReport/FinalPresentation-Working.pptx
+++ b/FinalReport/FinalPresentation-Working.pptx
@@ -8021,32 +8021,16 @@
           </a:p>
           <a:p>
             <a:r>
-              <a:rPr lang="en-US" dirty="0" err="1"/>
-              <a:t>l</a:t>
-            </a:r>
-            <a:r>
-              <a:rPr lang="en-US" dirty="0" err="1" smtClean="0"/>
-              <a:t>w</a:t>
-            </a:r>
-            <a:r>
               <a:rPr lang="en-US" dirty="0" smtClean="0"/>
-              <a:t>/</a:t>
-            </a:r>
-            <a:r>
-              <a:rPr lang="en-US" dirty="0" err="1" smtClean="0"/>
-              <a:t>sw</a:t>
+              <a:t>Load </a:t>
+            </a:r>
+            <a:r>
+              <a:rPr lang="en-US" smtClean="0"/>
+              <a:t>word/store word </a:t>
             </a:r>
             <a:r>
               <a:rPr lang="en-US" dirty="0" smtClean="0"/>
-              <a:t> memory addresses are computed beforehand </a:t>
-            </a:r>
-            <a:r>
-              <a:rPr lang="en-US" smtClean="0"/>
-              <a:t>and accessed </a:t>
-            </a:r>
-            <a:r>
-              <a:rPr lang="en-US" dirty="0" smtClean="0"/>
-              <a:t>from the computation register during memory access instructions</a:t>
+              <a:t>memory addresses are computed beforehand and accessed from the computation register during memory access instructions</a:t>
             </a:r>
             <a:endParaRPr lang="en-US" dirty="0" smtClean="0"/>
           </a:p>

--- a/FinalReport/FinalPresentation-Working.pptx
+++ b/FinalReport/FinalPresentation-Working.pptx
@@ -16,7 +16,6 @@
     <p:sldId id="264" r:id="rId10"/>
     <p:sldId id="265" r:id="rId11"/>
     <p:sldId id="266" r:id="rId12"/>
-    <p:sldId id="267" r:id="rId13"/>
   </p:sldIdLst>
   <p:sldSz cx="12192000" cy="6858000"/>
   <p:notesSz cx="6858000" cy="9144000"/>
@@ -8011,13 +8010,8 @@
           <a:p>
             <a:r>
               <a:rPr lang="en-US" dirty="0" smtClean="0"/>
-              <a:t>Branch and jump addresses are computed beforehand and accessed from the computation register during </a:t>
-            </a:r>
-            <a:r>
-              <a:rPr lang="en-US" dirty="0" smtClean="0"/>
-              <a:t>instructions that change PC</a:t>
-            </a:r>
-            <a:endParaRPr lang="en-US" dirty="0" smtClean="0"/>
+              <a:t>Branch comparisons are computed beforehand and accessed from the computation register during instructions that change PC</a:t>
+            </a:r>
           </a:p>
           <a:p>
             <a:r>
@@ -8026,13 +8020,20 @@
             </a:r>
             <a:r>
               <a:rPr lang="en-US" smtClean="0"/>
-              <a:t>word/store word </a:t>
+              <a:t>word/Stor</a:t>
+            </a:r>
+            <a:r>
+              <a:rPr lang="en-US" smtClean="0"/>
+              <a:t>e word</a:t>
+            </a:r>
+            <a:r>
+              <a:rPr lang="en-US" smtClean="0"/>
+              <a:t> </a:t>
             </a:r>
             <a:r>
               <a:rPr lang="en-US" dirty="0" smtClean="0"/>
               <a:t>memory addresses are computed beforehand and accessed from the computation register during memory access instructions</a:t>
             </a:r>
-            <a:endParaRPr lang="en-US" dirty="0" smtClean="0"/>
           </a:p>
         </p:txBody>
       </p:sp>
@@ -8040,88 +8041,6 @@
     <p:extLst>
       <p:ext uri="{BB962C8B-B14F-4D97-AF65-F5344CB8AC3E}">
         <p14:creationId xmlns:p14="http://schemas.microsoft.com/office/powerpoint/2010/main" val="852911839"/>
-      </p:ext>
-    </p:extLst>
-  </p:cSld>
-  <p:clrMapOvr>
-    <a:masterClrMapping/>
-  </p:clrMapOvr>
-  <p:timing>
-    <p:tnLst>
-      <p:par>
-        <p:cTn id="1" dur="indefinite" restart="never" nodeType="tmRoot"/>
-      </p:par>
-    </p:tnLst>
-  </p:timing>
-</p:sld>
-</file>
-
-<file path=ppt/slides/slide12.xml><?xml version="1.0" encoding="utf-8"?>
-<p:sld xmlns:a="http://schemas.openxmlformats.org/drawingml/2006/main" xmlns:r="http://schemas.openxmlformats.org/officeDocument/2006/relationships" xmlns:p="http://schemas.openxmlformats.org/presentationml/2006/main">
-  <p:cSld>
-    <p:spTree>
-      <p:nvGrpSpPr>
-        <p:cNvPr id="1" name=""/>
-        <p:cNvGrpSpPr/>
-        <p:nvPr/>
-      </p:nvGrpSpPr>
-      <p:grpSpPr>
-        <a:xfrm>
-          <a:off x="0" y="0"/>
-          <a:ext cx="0" cy="0"/>
-          <a:chOff x="0" y="0"/>
-          <a:chExt cx="0" cy="0"/>
-        </a:xfrm>
-      </p:grpSpPr>
-      <p:sp>
-        <p:nvSpPr>
-          <p:cNvPr id="2" name="Title 1"/>
-          <p:cNvSpPr>
-            <a:spLocks noGrp="1"/>
-          </p:cNvSpPr>
-          <p:nvPr>
-            <p:ph type="title"/>
-          </p:nvPr>
-        </p:nvSpPr>
-        <p:spPr/>
-        <p:txBody>
-          <a:bodyPr/>
-          <a:lstStyle/>
-          <a:p>
-            <a:r>
-              <a:rPr lang="en-US" dirty="0" smtClean="0"/>
-              <a:t>Conclusion/Questions</a:t>
-            </a:r>
-            <a:endParaRPr lang="en-US" dirty="0"/>
-          </a:p>
-        </p:txBody>
-      </p:sp>
-      <p:sp>
-        <p:nvSpPr>
-          <p:cNvPr id="3" name="Content Placeholder 2"/>
-          <p:cNvSpPr>
-            <a:spLocks noGrp="1"/>
-          </p:cNvSpPr>
-          <p:nvPr>
-            <p:ph idx="1"/>
-          </p:nvPr>
-        </p:nvSpPr>
-        <p:spPr/>
-        <p:txBody>
-          <a:bodyPr/>
-          <a:lstStyle/>
-          <a:p>
-            <a:pPr marL="0" indent="0">
-              <a:buNone/>
-            </a:pPr>
-            <a:endParaRPr lang="en-US" dirty="0"/>
-          </a:p>
-        </p:txBody>
-      </p:sp>
-    </p:spTree>
-    <p:extLst>
-      <p:ext uri="{BB962C8B-B14F-4D97-AF65-F5344CB8AC3E}">
-        <p14:creationId xmlns:p14="http://schemas.microsoft.com/office/powerpoint/2010/main" val="1716539240"/>
       </p:ext>
     </p:extLst>
   </p:cSld>
@@ -8235,7 +8154,7 @@
             <a:pPr lvl="1"/>
             <a:r>
               <a:rPr lang="en-US" dirty="0" smtClean="0"/>
-              <a:t>Computation Register</a:t>
+              <a:t>A Computation Register that holds the last result from a C-type</a:t>
             </a:r>
           </a:p>
           <a:p>
@@ -8379,7 +8298,27 @@
           <a:p>
             <a:r>
               <a:rPr lang="en-US" dirty="0" smtClean="0"/>
-              <a:t>All results stored in computation register</a:t>
+              <a:t>All results stored in computation </a:t>
+            </a:r>
+          </a:p>
+          <a:p>
+            <a:pPr marL="0" indent="0">
+              <a:buNone/>
+            </a:pPr>
+            <a:r>
+              <a:rPr lang="en-US" dirty="0" smtClean="0"/>
+              <a:t>register</a:t>
+            </a:r>
+          </a:p>
+          <a:p>
+            <a:pPr lvl="1"/>
+            <a:endParaRPr lang="en-US" dirty="0"/>
+          </a:p>
+          <a:p>
+            <a:pPr lvl="5"/>
+            <a:r>
+              <a:rPr lang="en-US" dirty="0" smtClean="0"/>
+              <a:t>Example: </a:t>
             </a:r>
             <a:endParaRPr lang="en-US" dirty="0"/>
           </a:p>
@@ -8452,6 +8391,30 @@
           </a:p>
         </p:txBody>
       </p:sp>
+      <p:pic>
+        <p:nvPicPr>
+          <p:cNvPr id="8" name="Picture 7"/>
+          <p:cNvPicPr>
+            <a:picLocks noChangeAspect="1"/>
+          </p:cNvPicPr>
+          <p:nvPr/>
+        </p:nvPicPr>
+        <p:blipFill>
+          <a:blip r:embed="rId3"/>
+          <a:stretch>
+            <a:fillRect/>
+          </a:stretch>
+        </p:blipFill>
+        <p:spPr>
+          <a:xfrm>
+            <a:off x="8172859" y="696225"/>
+            <a:ext cx="5944872" cy="3326186"/>
+          </a:xfrm>
+          <a:prstGeom prst="rect">
+            <a:avLst/>
+          </a:prstGeom>
+        </p:spPr>
+      </p:pic>
     </p:spTree>
     <p:extLst>
       <p:ext uri="{BB962C8B-B14F-4D97-AF65-F5344CB8AC3E}">
@@ -8547,7 +8510,23 @@
           <a:p>
             <a:r>
               <a:rPr lang="en-US" dirty="0" smtClean="0"/>
-              <a:t>Branches use a previously computed address in the computation register</a:t>
+              <a:t>Branches use a previously computed </a:t>
+            </a:r>
+          </a:p>
+          <a:p>
+            <a:pPr marL="0" indent="0">
+              <a:buNone/>
+            </a:pPr>
+            <a:r>
+              <a:rPr lang="en-US" dirty="0" smtClean="0"/>
+              <a:t>comparison value</a:t>
+            </a:r>
+          </a:p>
+          <a:p>
+            <a:pPr lvl="5"/>
+            <a:r>
+              <a:rPr lang="en-US" dirty="0" smtClean="0"/>
+              <a:t>Example:</a:t>
             </a:r>
             <a:endParaRPr lang="en-US" dirty="0"/>
           </a:p>
@@ -8569,7 +8548,7 @@
         </p:blipFill>
         <p:spPr>
           <a:xfrm>
-            <a:off x="4800600" y="4256681"/>
+            <a:off x="4800600" y="4408962"/>
             <a:ext cx="6704012" cy="1654541"/>
           </a:xfrm>
           <a:prstGeom prst="rect">
@@ -8620,6 +8599,30 @@
           </a:p>
         </p:txBody>
       </p:sp>
+      <p:pic>
+        <p:nvPicPr>
+          <p:cNvPr id="4" name="Picture 3"/>
+          <p:cNvPicPr>
+            <a:picLocks noChangeAspect="1"/>
+          </p:cNvPicPr>
+          <p:nvPr/>
+        </p:nvPicPr>
+        <p:blipFill>
+          <a:blip r:embed="rId3"/>
+          <a:stretch>
+            <a:fillRect/>
+          </a:stretch>
+        </p:blipFill>
+        <p:spPr>
+          <a:xfrm>
+            <a:off x="8397551" y="319038"/>
+            <a:ext cx="5140249" cy="4089924"/>
+          </a:xfrm>
+          <a:prstGeom prst="rect">
+            <a:avLst/>
+          </a:prstGeom>
+        </p:spPr>
+      </p:pic>
     </p:spTree>
     <p:extLst>
       <p:ext uri="{BB962C8B-B14F-4D97-AF65-F5344CB8AC3E}">
@@ -8711,7 +8714,16 @@
               <a:rPr lang="en-US" dirty="0" smtClean="0"/>
               <a:t>12-bit immediate</a:t>
             </a:r>
+          </a:p>
+          <a:p>
             <a:endParaRPr lang="en-US" dirty="0"/>
+          </a:p>
+          <a:p>
+            <a:pPr lvl="5"/>
+            <a:r>
+              <a:rPr lang="en-US" dirty="0" smtClean="0"/>
+              <a:t>Example:</a:t>
+            </a:r>
           </a:p>
         </p:txBody>
       </p:sp>
@@ -8782,6 +8794,30 @@
           </a:p>
         </p:txBody>
       </p:sp>
+      <p:pic>
+        <p:nvPicPr>
+          <p:cNvPr id="7" name="Picture 6"/>
+          <p:cNvPicPr>
+            <a:picLocks noChangeAspect="1"/>
+          </p:cNvPicPr>
+          <p:nvPr/>
+        </p:nvPicPr>
+        <p:blipFill>
+          <a:blip r:embed="rId3"/>
+          <a:stretch>
+            <a:fillRect/>
+          </a:stretch>
+        </p:blipFill>
+        <p:spPr>
+          <a:xfrm>
+            <a:off x="8710548" y="1905000"/>
+            <a:ext cx="5944872" cy="1611264"/>
+          </a:xfrm>
+          <a:prstGeom prst="rect">
+            <a:avLst/>
+          </a:prstGeom>
+        </p:spPr>
+      </p:pic>
     </p:spTree>
     <p:extLst>
       <p:ext uri="{BB962C8B-B14F-4D97-AF65-F5344CB8AC3E}">
@@ -9097,7 +9133,7 @@
           <a:p>
             <a:r>
               <a:rPr lang="en-US" dirty="0" smtClean="0"/>
-              <a:t>Changes to </a:t>
+              <a:t>Possible Changes to </a:t>
             </a:r>
             <a:r>
               <a:rPr lang="en-US" dirty="0"/>
@@ -9128,7 +9164,13 @@
           <a:p>
             <a:r>
               <a:rPr lang="en-US" dirty="0" smtClean="0"/>
-              <a:t>Remove the function code in C-type instructions and expand the opcodes</a:t>
+              <a:t>Not all function codes are used and not all bits are used</a:t>
+            </a:r>
+          </a:p>
+          <a:p>
+            <a:r>
+              <a:rPr lang="en-US" dirty="0" smtClean="0"/>
+              <a:t>Better utilize unused bits</a:t>
             </a:r>
           </a:p>
           <a:p>
@@ -9357,7 +9399,7 @@
           <a:p>
             <a:r>
               <a:rPr lang="en-US" dirty="0" smtClean="0"/>
-              <a:t>Inserted a stall to delay the </a:t>
+              <a:t>Inserted a stall to align them </a:t>
             </a:r>
           </a:p>
           <a:p>
